--- a/presentation/subliminal priming w motion capture.pptx
+++ b/presentation/subliminal priming w motion capture.pptx
@@ -215,7 +215,7 @@
           <a:p>
             <a:fld id="{570F9A4C-81B4-4F82-8E79-E7D7AE6D8BDE}" type="datetimeFigureOut">
               <a:rPr lang="he-IL" smtClean="0"/>
-              <a:t>י"ח/אדר/תשפ"א</a:t>
+              <a:t>כ"ג/אדר/תשפ"א</a:t>
             </a:fld>
             <a:endParaRPr lang="he-IL"/>
           </a:p>
@@ -1463,7 +1463,7 @@
           <a:p>
             <a:fld id="{69DAF226-170E-4775-BBBE-354FFF534133}" type="datetimeFigureOut">
               <a:rPr lang="he-IL" smtClean="0"/>
-              <a:t>י"ח/אדר/תשפ"א</a:t>
+              <a:t>כ"ג/אדר/תשפ"א</a:t>
             </a:fld>
             <a:endParaRPr lang="he-IL"/>
           </a:p>
@@ -1663,7 +1663,7 @@
           <a:p>
             <a:fld id="{69DAF226-170E-4775-BBBE-354FFF534133}" type="datetimeFigureOut">
               <a:rPr lang="he-IL" smtClean="0"/>
-              <a:t>י"ח/אדר/תשפ"א</a:t>
+              <a:t>כ"ג/אדר/תשפ"א</a:t>
             </a:fld>
             <a:endParaRPr lang="he-IL"/>
           </a:p>
@@ -1873,7 +1873,7 @@
           <a:p>
             <a:fld id="{69DAF226-170E-4775-BBBE-354FFF534133}" type="datetimeFigureOut">
               <a:rPr lang="he-IL" smtClean="0"/>
-              <a:t>י"ח/אדר/תשפ"א</a:t>
+              <a:t>כ"ג/אדר/תשפ"א</a:t>
             </a:fld>
             <a:endParaRPr lang="he-IL"/>
           </a:p>
@@ -2073,7 +2073,7 @@
           <a:p>
             <a:fld id="{69DAF226-170E-4775-BBBE-354FFF534133}" type="datetimeFigureOut">
               <a:rPr lang="he-IL" smtClean="0"/>
-              <a:t>י"ח/אדר/תשפ"א</a:t>
+              <a:t>כ"ג/אדר/תשפ"א</a:t>
             </a:fld>
             <a:endParaRPr lang="he-IL"/>
           </a:p>
@@ -2349,7 +2349,7 @@
           <a:p>
             <a:fld id="{69DAF226-170E-4775-BBBE-354FFF534133}" type="datetimeFigureOut">
               <a:rPr lang="he-IL" smtClean="0"/>
-              <a:t>י"ח/אדר/תשפ"א</a:t>
+              <a:t>כ"ג/אדר/תשפ"א</a:t>
             </a:fld>
             <a:endParaRPr lang="he-IL"/>
           </a:p>
@@ -2617,7 +2617,7 @@
           <a:p>
             <a:fld id="{69DAF226-170E-4775-BBBE-354FFF534133}" type="datetimeFigureOut">
               <a:rPr lang="he-IL" smtClean="0"/>
-              <a:t>י"ח/אדר/תשפ"א</a:t>
+              <a:t>כ"ג/אדר/תשפ"א</a:t>
             </a:fld>
             <a:endParaRPr lang="he-IL"/>
           </a:p>
@@ -3032,7 +3032,7 @@
           <a:p>
             <a:fld id="{69DAF226-170E-4775-BBBE-354FFF534133}" type="datetimeFigureOut">
               <a:rPr lang="he-IL" smtClean="0"/>
-              <a:t>י"ח/אדר/תשפ"א</a:t>
+              <a:t>כ"ג/אדר/תשפ"א</a:t>
             </a:fld>
             <a:endParaRPr lang="he-IL"/>
           </a:p>
@@ -3174,7 +3174,7 @@
           <a:p>
             <a:fld id="{69DAF226-170E-4775-BBBE-354FFF534133}" type="datetimeFigureOut">
               <a:rPr lang="he-IL" smtClean="0"/>
-              <a:t>י"ח/אדר/תשפ"א</a:t>
+              <a:t>כ"ג/אדר/תשפ"א</a:t>
             </a:fld>
             <a:endParaRPr lang="he-IL"/>
           </a:p>
@@ -3287,7 +3287,7 @@
           <a:p>
             <a:fld id="{69DAF226-170E-4775-BBBE-354FFF534133}" type="datetimeFigureOut">
               <a:rPr lang="he-IL" smtClean="0"/>
-              <a:t>י"ח/אדר/תשפ"א</a:t>
+              <a:t>כ"ג/אדר/תשפ"א</a:t>
             </a:fld>
             <a:endParaRPr lang="he-IL"/>
           </a:p>
@@ -3600,7 +3600,7 @@
           <a:p>
             <a:fld id="{69DAF226-170E-4775-BBBE-354FFF534133}" type="datetimeFigureOut">
               <a:rPr lang="he-IL" smtClean="0"/>
-              <a:t>י"ח/אדר/תשפ"א</a:t>
+              <a:t>כ"ג/אדר/תשפ"א</a:t>
             </a:fld>
             <a:endParaRPr lang="he-IL"/>
           </a:p>
@@ -3889,7 +3889,7 @@
           <a:p>
             <a:fld id="{69DAF226-170E-4775-BBBE-354FFF534133}" type="datetimeFigureOut">
               <a:rPr lang="he-IL" smtClean="0"/>
-              <a:t>י"ח/אדר/תשפ"א</a:t>
+              <a:t>כ"ג/אדר/תשפ"א</a:t>
             </a:fld>
             <a:endParaRPr lang="he-IL"/>
           </a:p>
@@ -4132,7 +4132,7 @@
           <a:p>
             <a:fld id="{69DAF226-170E-4775-BBBE-354FFF534133}" type="datetimeFigureOut">
               <a:rPr lang="he-IL" smtClean="0"/>
-              <a:t>י"ח/אדר/תשפ"א</a:t>
+              <a:t>כ"ג/אדר/תשפ"א</a:t>
             </a:fld>
             <a:endParaRPr lang="he-IL"/>
           </a:p>
@@ -4909,8 +4909,8 @@
           </p:txBody>
         </p:sp>
       </p:grpSp>
-      <mc:AlternateContent xmlns:mc="http://schemas.openxmlformats.org/markup-compatibility/2006">
-        <mc:Choice xmlns:a14="http://schemas.microsoft.com/office/drawing/2010/main" Requires="a14">
+      <mc:AlternateContent xmlns:mc="http://schemas.openxmlformats.org/markup-compatibility/2006" xmlns:a14="http://schemas.microsoft.com/office/drawing/2010/main">
+        <mc:Choice Requires="a14">
           <p:sp>
             <p:nvSpPr>
               <p:cNvPr id="9" name="TextBox 8">
@@ -5017,7 +5017,7 @@
             </p:txBody>
           </p:sp>
         </mc:Choice>
-        <mc:Fallback>
+        <mc:Fallback xmlns="">
           <p:sp>
             <p:nvSpPr>
               <p:cNvPr id="9" name="TextBox 8">

--- a/presentation/subliminal priming w motion capture.pptx
+++ b/presentation/subliminal priming w motion capture.pptx
@@ -215,7 +215,7 @@
           <a:p>
             <a:fld id="{570F9A4C-81B4-4F82-8E79-E7D7AE6D8BDE}" type="datetimeFigureOut">
               <a:rPr lang="he-IL" smtClean="0"/>
-              <a:t>כ"ג/אדר/תשפ"א</a:t>
+              <a:t>ג'/ניסן/תשפ"א</a:t>
             </a:fld>
             <a:endParaRPr lang="he-IL"/>
           </a:p>
@@ -529,7 +529,7 @@
           <a:p>
             <a:r>
               <a:rPr lang="en-US" dirty="0"/>
-              <a:t>My experiment’s goal is to show that semantic priming can be measured with motion capture.</a:t>
+              <a:t>My experiment’s goal is to show that trajectory analysis can be used to identify unconscious processing effects, and specifically semantic priming.</a:t>
             </a:r>
             <a:endParaRPr lang="he-IL" dirty="0"/>
           </a:p>
@@ -617,7 +617,7 @@
           <a:p>
             <a:r>
               <a:rPr lang="en-US" dirty="0"/>
-              <a:t>It is based on </a:t>
+              <a:t>The experiment relies on </a:t>
             </a:r>
             <a:r>
               <a:rPr lang="en-US" dirty="0" err="1"/>
@@ -625,13 +625,97 @@
             </a:r>
             <a:r>
               <a:rPr lang="en-US" dirty="0"/>
-              <a:t> experiment from 2001.</a:t>
+              <a:t> paper from 2001.</a:t>
             </a:r>
           </a:p>
           <a:p>
             <a:r>
               <a:rPr lang="en-US" dirty="0"/>
-              <a:t>He used forward and backward masking to render a prime invisible. After which he displayed a target.</a:t>
+              <a:t>Where he displayed a masked prime and a target to subjects.</a:t>
+            </a:r>
+          </a:p>
+          <a:p>
+            <a:r>
+              <a:rPr lang="en-US" dirty="0"/>
+              <a:t>The prime and target were words describing natural / artificial items, and subjects were asked to categorize the target accordingly.</a:t>
+            </a:r>
+          </a:p>
+          <a:p>
+            <a:r>
+              <a:rPr lang="en-US" dirty="0"/>
+              <a:t>For example, when the target was “radio” they chose “artificial”.</a:t>
+            </a:r>
+          </a:p>
+          <a:p>
+            <a:endParaRPr lang="en-US" dirty="0"/>
+          </a:p>
+          <a:p>
+            <a:r>
+              <a:rPr lang="en-US" dirty="0"/>
+              <a:t>Congruency was manipulated in the experiments such that:</a:t>
+            </a:r>
+          </a:p>
+          <a:p>
+            <a:r>
+              <a:rPr lang="en-US" dirty="0"/>
+              <a:t>On same word trials the prime and the target were identical,</a:t>
+            </a:r>
+          </a:p>
+          <a:p>
+            <a:r>
+              <a:rPr lang="en-US" dirty="0"/>
+              <a:t>On different word trials the prime and the target were different words from different category.</a:t>
+            </a:r>
+          </a:p>
+          <a:p>
+            <a:r>
+              <a:rPr lang="en-US" dirty="0"/>
+              <a:t>The letter case of the target and the prime was also manipulated which allowed to check repetition priming on the same case condition</a:t>
+            </a:r>
+          </a:p>
+          <a:p>
+            <a:r>
+              <a:rPr lang="en-US" dirty="0"/>
+              <a:t>And semantic priming on the different case condition.</a:t>
+            </a:r>
+          </a:p>
+          <a:p>
+            <a:endParaRPr lang="en-US" dirty="0"/>
+          </a:p>
+          <a:p>
+            <a:endParaRPr lang="en-US" dirty="0"/>
+          </a:p>
+          <a:p>
+            <a:r>
+              <a:rPr lang="en-US" dirty="0"/>
+              <a:t>Results:</a:t>
+            </a:r>
+          </a:p>
+          <a:p>
+            <a:r>
+              <a:rPr lang="en-US" dirty="0"/>
+              <a:t>When we check the response times we can see:</a:t>
+            </a:r>
+          </a:p>
+          <a:p>
+            <a:r>
+              <a:rPr lang="en-US" dirty="0"/>
+              <a:t>A repetition priming effect (15ms) since RT was quicker when the prime was identical to the target.</a:t>
+            </a:r>
+          </a:p>
+          <a:p>
+            <a:r>
+              <a:rPr lang="en-US" dirty="0"/>
+              <a:t>A semantic priming effect (12ms) since RT was quicker when the prime and target where the same word but in different font.</a:t>
+            </a:r>
+          </a:p>
+          <a:p>
+            <a:endParaRPr lang="en-US" dirty="0"/>
+          </a:p>
+          <a:p>
+            <a:r>
+              <a:rPr lang="en-US" dirty="0"/>
+              <a:t>______________________________________________________________________________________________</a:t>
             </a:r>
           </a:p>
           <a:p>
@@ -654,59 +738,13 @@
             </a:pPr>
             <a:r>
               <a:rPr lang="en-US" dirty="0"/>
-              <a:t>Subjects were asked to categorize target as natural / artificial. So for example radio is artificial while fruit is natural.</a:t>
+              <a:t>At the end of the experiment subjects performed a force choice recognition task: in which they had to recognize the prime between 2 displayed words.</a:t>
             </a:r>
           </a:p>
           <a:p>
             <a:r>
               <a:rPr lang="en-US" dirty="0"/>
-              <a:t>Prime and target could be congruent (identical), or incongruent (from a different category, e.g., fruit).</a:t>
-            </a:r>
-          </a:p>
-          <a:p>
-            <a:r>
-              <a:rPr lang="en-US" dirty="0"/>
-              <a:t>In addition, letter case was manipulated.</a:t>
-            </a:r>
-          </a:p>
-          <a:p>
-            <a:r>
-              <a:rPr lang="en-US" dirty="0"/>
-              <a:t>This allowed to check repetition priming (both are the same case),</a:t>
-            </a:r>
-          </a:p>
-          <a:p>
-            <a:r>
-              <a:rPr lang="en-US" dirty="0"/>
-              <a:t>And semantic priming (each is different case). </a:t>
-            </a:r>
-          </a:p>
-          <a:p>
-            <a:r>
-              <a:rPr lang="en-US" dirty="0"/>
-              <a:t>At the end of the experiments subjects performed a force choice recognition task: in which they had to recognize the prime between 2 displayed words.</a:t>
-            </a:r>
-          </a:p>
-          <a:p>
-            <a:endParaRPr lang="en-US" dirty="0"/>
-          </a:p>
-          <a:p>
-            <a:r>
-              <a:rPr lang="en-US" dirty="0"/>
-              <a:t>Forced choice showed that subjects weren’t aware of the prime. In task 1 they a naming task (name prime, if didn’t see specifically what is it, say “seen”)</a:t>
-            </a:r>
-          </a:p>
-          <a:p>
-            <a:endParaRPr lang="en-US" dirty="0"/>
-          </a:p>
-          <a:p>
-            <a:r>
-              <a:rPr lang="en-US" dirty="0" err="1"/>
-              <a:t>Dehaene</a:t>
-            </a:r>
-            <a:r>
-              <a:rPr lang="en-US" dirty="0"/>
-              <a:t> showed both a repetition priming effect (15ms) and a semantic priming effect (12ms).</a:t>
+              <a:t>Forced choice showed that subjects weren’t aware of the prime.</a:t>
             </a:r>
           </a:p>
           <a:p>
@@ -757,6 +795,29 @@
             <a:r>
               <a:rPr lang="en-US" dirty="0"/>
               <a:t>In exp 1:</a:t>
+            </a:r>
+          </a:p>
+          <a:p>
+            <a:pPr marL="0" marR="0" lvl="0" indent="0" algn="l" defTabSz="914400" rtl="0" eaLnBrk="1" fontAlgn="auto" latinLnBrk="0" hangingPunct="1">
+              <a:lnSpc>
+                <a:spcPct val="100000"/>
+              </a:lnSpc>
+              <a:spcBef>
+                <a:spcPts val="0"/>
+              </a:spcBef>
+              <a:spcAft>
+                <a:spcPts val="0"/>
+              </a:spcAft>
+              <a:buClrTx/>
+              <a:buSzTx/>
+              <a:buFontTx/>
+              <a:buNone/>
+              <a:tabLst/>
+              <a:defRPr/>
+            </a:pPr>
+            <a:r>
+              <a:rPr lang="en-US" dirty="0"/>
+              <a:t>~~~~~In task 1 they performed a naming task (name prime, if didn’t see specifically what is it, say “seen”)~~~~~</a:t>
             </a:r>
           </a:p>
           <a:p>
@@ -856,58 +917,46 @@
           <a:p>
             <a:r>
               <a:rPr lang="en-US" dirty="0"/>
-              <a:t>In our experiment we wish to replicate these results using motion capture.</a:t>
+              <a:t>In our experiment we wish to replicate </a:t>
             </a:r>
+            <a:r>
+              <a:rPr lang="en-US"/>
+              <a:t>these results.</a:t>
+            </a:r>
+            <a:endParaRPr lang="en-US" dirty="0"/>
           </a:p>
           <a:p>
             <a:r>
               <a:rPr lang="en-US" dirty="0"/>
-              <a:t>Again we display the set if masks, prime and target and the subject is asked to categorize the target,</a:t>
+              <a:t>Only this time the subject is asked to answer by touching the appropriate answer on the screen. </a:t>
             </a:r>
           </a:p>
           <a:p>
             <a:r>
               <a:rPr lang="en-US" dirty="0"/>
-              <a:t>Only this time he does so by touching the appropriate answer on the screen.</a:t>
+              <a:t>In addition, our subjects perform the prime recognition task immediately after categorizing the target.</a:t>
             </a:r>
           </a:p>
           <a:p>
             <a:r>
               <a:rPr lang="en-US" dirty="0"/>
-              <a:t>Immediately after, the subject performs forced choice recognition where he has to recognize the prime between two words.</a:t>
+              <a:t>And lastly the subject answers a PAS.</a:t>
             </a:r>
+          </a:p>
+          <a:p>
+            <a:endParaRPr lang="en-US" dirty="0"/>
           </a:p>
           <a:p>
             <a:r>
               <a:rPr lang="en-US" dirty="0"/>
-              <a:t>Lastly the subject answers a PAS.</a:t>
+              <a:t>Since we are only interested in semantic priming, primes are always displayed in handwriting while targets are always displayed in type script..</a:t>
             </a:r>
-          </a:p>
-          <a:p>
-            <a:endParaRPr lang="en-US" dirty="0"/>
           </a:p>
           <a:p>
             <a:r>
               <a:rPr lang="en-US" dirty="0"/>
-              <a:t>Instead of using capital / lower case letters, we use Hebrew handwriting / typescript font.</a:t>
+              <a:t>~~~~~~~~~~~~~~~~~~~~~~~~~~~~~~~~~~~~~~~~~</a:t>
             </a:r>
-          </a:p>
-          <a:p>
-            <a:r>
-              <a:rPr lang="en-US" dirty="0"/>
-              <a:t>In contrast to </a:t>
-            </a:r>
-            <a:r>
-              <a:rPr lang="en-US" dirty="0" err="1"/>
-              <a:t>Dehanee</a:t>
-            </a:r>
-            <a:r>
-              <a:rPr lang="en-US" dirty="0"/>
-              <a:t>, we don’t manipulate this parameter, so all primes are handwriting and all targets are typescript.</a:t>
-            </a:r>
-          </a:p>
-          <a:p>
-            <a:endParaRPr lang="en-US" dirty="0"/>
           </a:p>
           <a:p>
             <a:r>
@@ -1105,6 +1154,12 @@
         <p:txBody>
           <a:bodyPr/>
           <a:lstStyle/>
+          <a:p>
+            <a:r>
+              <a:rPr lang="en-US" dirty="0"/>
+              <a:t>To find our effect we would compare the following parameters between congruent and incongruent trials:</a:t>
+            </a:r>
+          </a:p>
           <a:p>
             <a:endParaRPr lang="he-IL" dirty="0"/>
           </a:p>
@@ -1463,7 +1518,7 @@
           <a:p>
             <a:fld id="{69DAF226-170E-4775-BBBE-354FFF534133}" type="datetimeFigureOut">
               <a:rPr lang="he-IL" smtClean="0"/>
-              <a:t>כ"ג/אדר/תשפ"א</a:t>
+              <a:t>ג'/ניסן/תשפ"א</a:t>
             </a:fld>
             <a:endParaRPr lang="he-IL"/>
           </a:p>
@@ -1663,7 +1718,7 @@
           <a:p>
             <a:fld id="{69DAF226-170E-4775-BBBE-354FFF534133}" type="datetimeFigureOut">
               <a:rPr lang="he-IL" smtClean="0"/>
-              <a:t>כ"ג/אדר/תשפ"א</a:t>
+              <a:t>ג'/ניסן/תשפ"א</a:t>
             </a:fld>
             <a:endParaRPr lang="he-IL"/>
           </a:p>
@@ -1873,7 +1928,7 @@
           <a:p>
             <a:fld id="{69DAF226-170E-4775-BBBE-354FFF534133}" type="datetimeFigureOut">
               <a:rPr lang="he-IL" smtClean="0"/>
-              <a:t>כ"ג/אדר/תשפ"א</a:t>
+              <a:t>ג'/ניסן/תשפ"א</a:t>
             </a:fld>
             <a:endParaRPr lang="he-IL"/>
           </a:p>
@@ -2073,7 +2128,7 @@
           <a:p>
             <a:fld id="{69DAF226-170E-4775-BBBE-354FFF534133}" type="datetimeFigureOut">
               <a:rPr lang="he-IL" smtClean="0"/>
-              <a:t>כ"ג/אדר/תשפ"א</a:t>
+              <a:t>ג'/ניסן/תשפ"א</a:t>
             </a:fld>
             <a:endParaRPr lang="he-IL"/>
           </a:p>
@@ -2349,7 +2404,7 @@
           <a:p>
             <a:fld id="{69DAF226-170E-4775-BBBE-354FFF534133}" type="datetimeFigureOut">
               <a:rPr lang="he-IL" smtClean="0"/>
-              <a:t>כ"ג/אדר/תשפ"א</a:t>
+              <a:t>ג'/ניסן/תשפ"א</a:t>
             </a:fld>
             <a:endParaRPr lang="he-IL"/>
           </a:p>
@@ -2617,7 +2672,7 @@
           <a:p>
             <a:fld id="{69DAF226-170E-4775-BBBE-354FFF534133}" type="datetimeFigureOut">
               <a:rPr lang="he-IL" smtClean="0"/>
-              <a:t>כ"ג/אדר/תשפ"א</a:t>
+              <a:t>ג'/ניסן/תשפ"א</a:t>
             </a:fld>
             <a:endParaRPr lang="he-IL"/>
           </a:p>
@@ -3032,7 +3087,7 @@
           <a:p>
             <a:fld id="{69DAF226-170E-4775-BBBE-354FFF534133}" type="datetimeFigureOut">
               <a:rPr lang="he-IL" smtClean="0"/>
-              <a:t>כ"ג/אדר/תשפ"א</a:t>
+              <a:t>ג'/ניסן/תשפ"א</a:t>
             </a:fld>
             <a:endParaRPr lang="he-IL"/>
           </a:p>
@@ -3174,7 +3229,7 @@
           <a:p>
             <a:fld id="{69DAF226-170E-4775-BBBE-354FFF534133}" type="datetimeFigureOut">
               <a:rPr lang="he-IL" smtClean="0"/>
-              <a:t>כ"ג/אדר/תשפ"א</a:t>
+              <a:t>ג'/ניסן/תשפ"א</a:t>
             </a:fld>
             <a:endParaRPr lang="he-IL"/>
           </a:p>
@@ -3287,7 +3342,7 @@
           <a:p>
             <a:fld id="{69DAF226-170E-4775-BBBE-354FFF534133}" type="datetimeFigureOut">
               <a:rPr lang="he-IL" smtClean="0"/>
-              <a:t>כ"ג/אדר/תשפ"א</a:t>
+              <a:t>ג'/ניסן/תשפ"א</a:t>
             </a:fld>
             <a:endParaRPr lang="he-IL"/>
           </a:p>
@@ -3600,7 +3655,7 @@
           <a:p>
             <a:fld id="{69DAF226-170E-4775-BBBE-354FFF534133}" type="datetimeFigureOut">
               <a:rPr lang="he-IL" smtClean="0"/>
-              <a:t>כ"ג/אדר/תשפ"א</a:t>
+              <a:t>ג'/ניסן/תשפ"א</a:t>
             </a:fld>
             <a:endParaRPr lang="he-IL"/>
           </a:p>
@@ -3889,7 +3944,7 @@
           <a:p>
             <a:fld id="{69DAF226-170E-4775-BBBE-354FFF534133}" type="datetimeFigureOut">
               <a:rPr lang="he-IL" smtClean="0"/>
-              <a:t>כ"ג/אדר/תשפ"א</a:t>
+              <a:t>ג'/ניסן/תשפ"א</a:t>
             </a:fld>
             <a:endParaRPr lang="he-IL"/>
           </a:p>
@@ -4132,7 +4187,7 @@
           <a:p>
             <a:fld id="{69DAF226-170E-4775-BBBE-354FFF534133}" type="datetimeFigureOut">
               <a:rPr lang="he-IL" smtClean="0"/>
-              <a:t>כ"ג/אדר/תשפ"א</a:t>
+              <a:t>ג'/ניסן/תשפ"א</a:t>
             </a:fld>
             <a:endParaRPr lang="he-IL"/>
           </a:p>
@@ -4909,8 +4964,8 @@
           </p:txBody>
         </p:sp>
       </p:grpSp>
-      <mc:AlternateContent xmlns:mc="http://schemas.openxmlformats.org/markup-compatibility/2006" xmlns:a14="http://schemas.microsoft.com/office/drawing/2010/main">
-        <mc:Choice Requires="a14">
+      <mc:AlternateContent xmlns:mc="http://schemas.openxmlformats.org/markup-compatibility/2006">
+        <mc:Choice xmlns:a14="http://schemas.microsoft.com/office/drawing/2010/main" Requires="a14">
           <p:sp>
             <p:nvSpPr>
               <p:cNvPr id="9" name="TextBox 8">
@@ -4955,7 +5010,7 @@
                 </a:pPr>
                 <a:r>
                   <a:rPr lang="en-US" sz="2400" dirty="0"/>
-                  <a:t>Congruent:  prime = target</a:t>
+                  <a:t>Same word:  prime = target</a:t>
                 </a:r>
               </a:p>
               <a:p>
@@ -4965,7 +5020,7 @@
                 </a:pPr>
                 <a:r>
                   <a:rPr lang="en-US" sz="2400" dirty="0"/>
-                  <a:t>Incongruent:  prime </a:t>
+                  <a:t>Different word:  prime </a:t>
                 </a:r>
                 <a14:m>
                   <m:oMath xmlns:m="http://schemas.openxmlformats.org/officeDocument/2006/math">
@@ -4980,8 +5035,42 @@
                 </a14:m>
                 <a:r>
                   <a:rPr lang="en-US" sz="2400" dirty="0"/>
-                  <a:t> target</a:t>
+                  <a:t> target   &amp;   </a:t>
                 </a:r>
+                <a:r>
+                  <a:rPr lang="en-US" sz="2400" dirty="0" err="1"/>
+                  <a:t>category</a:t>
+                </a:r>
+                <a:r>
+                  <a:rPr lang="en-US" sz="2400" baseline="-25000" dirty="0" err="1"/>
+                  <a:t>prime</a:t>
+                </a:r>
+                <a:r>
+                  <a:rPr lang="en-US" sz="2400" dirty="0">
+                    <a:ea typeface="Cambria Math" panose="02040503050406030204" pitchFamily="18" charset="0"/>
+                  </a:rPr>
+                  <a:t> </a:t>
+                </a:r>
+                <a14:m>
+                  <m:oMath xmlns:m="http://schemas.openxmlformats.org/officeDocument/2006/math">
+                    <m:r>
+                      <a:rPr lang="en-US" sz="2400" i="1">
+                        <a:latin typeface="Cambria Math" panose="02040503050406030204" pitchFamily="18" charset="0"/>
+                        <a:ea typeface="Cambria Math" panose="02040503050406030204" pitchFamily="18" charset="0"/>
+                      </a:rPr>
+                      <m:t>≠</m:t>
+                    </m:r>
+                  </m:oMath>
+                </a14:m>
+                <a:r>
+                  <a:rPr lang="en-US" sz="2400" dirty="0"/>
+                  <a:t> category</a:t>
+                </a:r>
+                <a:r>
+                  <a:rPr lang="en-US" sz="2400" baseline="-25000" dirty="0"/>
+                  <a:t>target</a:t>
+                </a:r>
+                <a:endParaRPr lang="en-US" sz="2400" dirty="0"/>
               </a:p>
               <a:p>
                 <a:pPr marL="285750" indent="-285750">
@@ -5017,7 +5106,7 @@
             </p:txBody>
           </p:sp>
         </mc:Choice>
-        <mc:Fallback xmlns="">
+        <mc:Fallback>
           <p:sp>
             <p:nvSpPr>
               <p:cNvPr id="9" name="TextBox 8">
@@ -5062,6 +5151,110 @@
           </p:sp>
         </mc:Fallback>
       </mc:AlternateContent>
+      <p:sp>
+        <p:nvSpPr>
+          <p:cNvPr id="10" name="Rectangle 9">
+            <a:extLst>
+              <a:ext uri="{FF2B5EF4-FFF2-40B4-BE49-F238E27FC236}">
+                <a16:creationId xmlns:a16="http://schemas.microsoft.com/office/drawing/2014/main" id="{09F17802-908E-4BAD-B06C-0E461D5FD1A7}"/>
+              </a:ext>
+            </a:extLst>
+          </p:cNvPr>
+          <p:cNvSpPr/>
+          <p:nvPr/>
+        </p:nvSpPr>
+        <p:spPr>
+          <a:xfrm>
+            <a:off x="7636476" y="3064476"/>
+            <a:ext cx="1561261" cy="3506376"/>
+          </a:xfrm>
+          <a:prstGeom prst="rect">
+            <a:avLst/>
+          </a:prstGeom>
+          <a:solidFill>
+            <a:schemeClr val="bg1"/>
+          </a:solidFill>
+          <a:ln>
+            <a:noFill/>
+          </a:ln>
+        </p:spPr>
+        <p:style>
+          <a:lnRef idx="2">
+            <a:schemeClr val="accent1">
+              <a:shade val="50000"/>
+            </a:schemeClr>
+          </a:lnRef>
+          <a:fillRef idx="1">
+            <a:schemeClr val="accent1"/>
+          </a:fillRef>
+          <a:effectRef idx="0">
+            <a:schemeClr val="accent1"/>
+          </a:effectRef>
+          <a:fontRef idx="minor">
+            <a:schemeClr val="lt1"/>
+          </a:fontRef>
+        </p:style>
+        <p:txBody>
+          <a:bodyPr rtlCol="1" anchor="ctr"/>
+          <a:lstStyle/>
+          <a:p>
+            <a:pPr algn="ctr"/>
+            <a:endParaRPr lang="he-IL"/>
+          </a:p>
+        </p:txBody>
+      </p:sp>
+      <p:sp>
+        <p:nvSpPr>
+          <p:cNvPr id="11" name="Rectangle 10">
+            <a:extLst>
+              <a:ext uri="{FF2B5EF4-FFF2-40B4-BE49-F238E27FC236}">
+                <a16:creationId xmlns:a16="http://schemas.microsoft.com/office/drawing/2014/main" id="{83254067-5430-4D23-A017-5BEAFC1988D8}"/>
+              </a:ext>
+            </a:extLst>
+          </p:cNvPr>
+          <p:cNvSpPr/>
+          <p:nvPr/>
+        </p:nvSpPr>
+        <p:spPr>
+          <a:xfrm>
+            <a:off x="9197737" y="2071463"/>
+            <a:ext cx="2837742" cy="4445461"/>
+          </a:xfrm>
+          <a:prstGeom prst="rect">
+            <a:avLst/>
+          </a:prstGeom>
+          <a:solidFill>
+            <a:schemeClr val="bg1"/>
+          </a:solidFill>
+          <a:ln>
+            <a:noFill/>
+          </a:ln>
+        </p:spPr>
+        <p:style>
+          <a:lnRef idx="2">
+            <a:schemeClr val="accent1">
+              <a:shade val="50000"/>
+            </a:schemeClr>
+          </a:lnRef>
+          <a:fillRef idx="1">
+            <a:schemeClr val="accent1"/>
+          </a:fillRef>
+          <a:effectRef idx="0">
+            <a:schemeClr val="accent1"/>
+          </a:effectRef>
+          <a:fontRef idx="minor">
+            <a:schemeClr val="lt1"/>
+          </a:fontRef>
+        </p:style>
+        <p:txBody>
+          <a:bodyPr rtlCol="1" anchor="ctr"/>
+          <a:lstStyle/>
+          <a:p>
+            <a:pPr algn="ctr"/>
+            <a:endParaRPr lang="he-IL"/>
+          </a:p>
+        </p:txBody>
+      </p:sp>
     </p:spTree>
     <p:extLst>
       <p:ext uri="{BB962C8B-B14F-4D97-AF65-F5344CB8AC3E}">
@@ -5106,6 +5299,51 @@
                                           </p:stCondLst>
                                         </p:cTn>
                                         <p:tgtEl>
+                                          <p:spTgt spid="4"/>
+                                        </p:tgtEl>
+                                        <p:attrNameLst>
+                                          <p:attrName>style.visibility</p:attrName>
+                                        </p:attrNameLst>
+                                      </p:cBhvr>
+                                      <p:to>
+                                        <p:strVal val="visible"/>
+                                      </p:to>
+                                    </p:set>
+                                  </p:childTnLst>
+                                </p:cTn>
+                              </p:par>
+                            </p:childTnLst>
+                          </p:cTn>
+                        </p:par>
+                      </p:childTnLst>
+                    </p:cTn>
+                  </p:par>
+                  <p:par>
+                    <p:cTn id="7" fill="hold">
+                      <p:stCondLst>
+                        <p:cond delay="indefinite"/>
+                      </p:stCondLst>
+                      <p:childTnLst>
+                        <p:par>
+                          <p:cTn id="8" fill="hold">
+                            <p:stCondLst>
+                              <p:cond delay="0"/>
+                            </p:stCondLst>
+                            <p:childTnLst>
+                              <p:par>
+                                <p:cTn id="9" presetID="1" presetClass="entr" presetSubtype="0" fill="hold" nodeType="clickEffect">
+                                  <p:stCondLst>
+                                    <p:cond delay="0"/>
+                                  </p:stCondLst>
+                                  <p:childTnLst>
+                                    <p:set>
+                                      <p:cBhvr>
+                                        <p:cTn id="10" dur="1" fill="hold">
+                                          <p:stCondLst>
+                                            <p:cond delay="0"/>
+                                          </p:stCondLst>
+                                        </p:cTn>
+                                        <p:tgtEl>
                                           <p:spTgt spid="9">
                                             <p:txEl>
                                               <p:pRg st="0" end="0"/>
@@ -5124,14 +5362,14 @@
                                 </p:cTn>
                               </p:par>
                               <p:par>
-                                <p:cTn id="7" presetID="1" presetClass="entr" presetSubtype="0" fill="hold" nodeType="withEffect">
+                                <p:cTn id="11" presetID="1" presetClass="entr" presetSubtype="0" fill="hold" nodeType="withEffect">
                                   <p:stCondLst>
                                     <p:cond delay="0"/>
                                   </p:stCondLst>
                                   <p:childTnLst>
                                     <p:set>
                                       <p:cBhvr>
-                                        <p:cTn id="8" dur="1" fill="hold">
+                                        <p:cTn id="12" dur="1" fill="hold">
                                           <p:stCondLst>
                                             <p:cond delay="0"/>
                                           </p:stCondLst>
@@ -5155,14 +5393,14 @@
                                 </p:cTn>
                               </p:par>
                               <p:par>
-                                <p:cTn id="9" presetID="1" presetClass="entr" presetSubtype="0" fill="hold" nodeType="withEffect">
+                                <p:cTn id="13" presetID="1" presetClass="entr" presetSubtype="0" fill="hold" nodeType="withEffect">
                                   <p:stCondLst>
                                     <p:cond delay="0"/>
                                   </p:stCondLst>
                                   <p:childTnLst>
                                     <p:set>
                                       <p:cBhvr>
-                                        <p:cTn id="10" dur="1" fill="hold">
+                                        <p:cTn id="14" dur="1" fill="hold">
                                           <p:stCondLst>
                                             <p:cond delay="0"/>
                                           </p:stCondLst>
@@ -5192,26 +5430,26 @@
                     </p:cTn>
                   </p:par>
                   <p:par>
-                    <p:cTn id="11" fill="hold">
+                    <p:cTn id="15" fill="hold">
                       <p:stCondLst>
                         <p:cond delay="indefinite"/>
                       </p:stCondLst>
                       <p:childTnLst>
                         <p:par>
-                          <p:cTn id="12" fill="hold">
+                          <p:cTn id="16" fill="hold">
                             <p:stCondLst>
                               <p:cond delay="0"/>
                             </p:stCondLst>
                             <p:childTnLst>
                               <p:par>
-                                <p:cTn id="13" presetID="1" presetClass="entr" presetSubtype="0" fill="hold" nodeType="clickEffect">
+                                <p:cTn id="17" presetID="1" presetClass="entr" presetSubtype="0" fill="hold" nodeType="clickEffect">
                                   <p:stCondLst>
                                     <p:cond delay="0"/>
                                   </p:stCondLst>
                                   <p:childTnLst>
                                     <p:set>
                                       <p:cBhvr>
-                                        <p:cTn id="14" dur="1" fill="hold">
+                                        <p:cTn id="18" dur="1" fill="hold">
                                           <p:stCondLst>
                                             <p:cond delay="0"/>
                                           </p:stCondLst>
@@ -5235,14 +5473,14 @@
                                 </p:cTn>
                               </p:par>
                               <p:par>
-                                <p:cTn id="15" presetID="1" presetClass="entr" presetSubtype="0" fill="hold" nodeType="withEffect">
+                                <p:cTn id="19" presetID="1" presetClass="entr" presetSubtype="0" fill="hold" nodeType="withEffect">
                                   <p:stCondLst>
                                     <p:cond delay="0"/>
                                   </p:stCondLst>
                                   <p:childTnLst>
                                     <p:set>
                                       <p:cBhvr>
-                                        <p:cTn id="16" dur="1" fill="hold">
+                                        <p:cTn id="20" dur="1" fill="hold">
                                           <p:stCondLst>
                                             <p:cond delay="0"/>
                                           </p:stCondLst>
@@ -5266,56 +5504,7 @@
                                 </p:cTn>
                               </p:par>
                               <p:par>
-                                <p:cTn id="17" presetID="1" presetClass="entr" presetSubtype="0" fill="hold" nodeType="withEffect">
-                                  <p:stCondLst>
-                                    <p:cond delay="0"/>
-                                  </p:stCondLst>
-                                  <p:childTnLst>
-                                    <p:set>
-                                      <p:cBhvr>
-                                        <p:cTn id="18" dur="1" fill="hold">
-                                          <p:stCondLst>
-                                            <p:cond delay="0"/>
-                                          </p:stCondLst>
-                                        </p:cTn>
-                                        <p:tgtEl>
-                                          <p:spTgt spid="9">
-                                            <p:txEl>
-                                              <p:pRg st="5" end="5"/>
-                                            </p:txEl>
-                                          </p:spTgt>
-                                        </p:tgtEl>
-                                        <p:attrNameLst>
-                                          <p:attrName>style.visibility</p:attrName>
-                                        </p:attrNameLst>
-                                      </p:cBhvr>
-                                      <p:to>
-                                        <p:strVal val="visible"/>
-                                      </p:to>
-                                    </p:set>
-                                  </p:childTnLst>
-                                </p:cTn>
-                              </p:par>
-                            </p:childTnLst>
-                          </p:cTn>
-                        </p:par>
-                      </p:childTnLst>
-                    </p:cTn>
-                  </p:par>
-                  <p:par>
-                    <p:cTn id="19" fill="hold">
-                      <p:stCondLst>
-                        <p:cond delay="indefinite"/>
-                      </p:stCondLst>
-                      <p:childTnLst>
-                        <p:par>
-                          <p:cTn id="20" fill="hold">
-                            <p:stCondLst>
-                              <p:cond delay="0"/>
-                            </p:stCondLst>
-                            <p:childTnLst>
-                              <p:par>
-                                <p:cTn id="21" presetID="1" presetClass="entr" presetSubtype="0" fill="hold" nodeType="clickEffect">
+                                <p:cTn id="21" presetID="1" presetClass="entr" presetSubtype="0" fill="hold" nodeType="withEffect">
                                   <p:stCondLst>
                                     <p:cond delay="0"/>
                                   </p:stCondLst>
@@ -5328,7 +5517,11 @@
                                           </p:stCondLst>
                                         </p:cTn>
                                         <p:tgtEl>
-                                          <p:spTgt spid="2"/>
+                                          <p:spTgt spid="9">
+                                            <p:txEl>
+                                              <p:pRg st="5" end="5"/>
+                                            </p:txEl>
+                                          </p:spTgt>
                                         </p:tgtEl>
                                         <p:attrNameLst>
                                           <p:attrName>style.visibility</p:attrName>
@@ -5392,6 +5585,51 @@
                       </p:childTnLst>
                     </p:cTn>
                   </p:par>
+                  <p:par>
+                    <p:cTn id="27" fill="hold">
+                      <p:stCondLst>
+                        <p:cond delay="indefinite"/>
+                      </p:stCondLst>
+                      <p:childTnLst>
+                        <p:par>
+                          <p:cTn id="28" fill="hold">
+                            <p:stCondLst>
+                              <p:cond delay="0"/>
+                            </p:stCondLst>
+                            <p:childTnLst>
+                              <p:par>
+                                <p:cTn id="29" presetID="1" presetClass="exit" presetSubtype="0" fill="hold" grpId="0" nodeType="clickEffect">
+                                  <p:stCondLst>
+                                    <p:cond delay="0"/>
+                                  </p:stCondLst>
+                                  <p:childTnLst>
+                                    <p:set>
+                                      <p:cBhvr>
+                                        <p:cTn id="30" dur="1" fill="hold">
+                                          <p:stCondLst>
+                                            <p:cond delay="0"/>
+                                          </p:stCondLst>
+                                        </p:cTn>
+                                        <p:tgtEl>
+                                          <p:spTgt spid="10"/>
+                                        </p:tgtEl>
+                                        <p:attrNameLst>
+                                          <p:attrName>style.visibility</p:attrName>
+                                        </p:attrNameLst>
+                                      </p:cBhvr>
+                                      <p:to>
+                                        <p:strVal val="hidden"/>
+                                      </p:to>
+                                    </p:set>
+                                  </p:childTnLst>
+                                </p:cTn>
+                              </p:par>
+                            </p:childTnLst>
+                          </p:cTn>
+                        </p:par>
+                      </p:childTnLst>
+                    </p:cTn>
+                  </p:par>
                 </p:childTnLst>
               </p:cTn>
               <p:prevCondLst>
@@ -5413,6 +5651,9 @@
         </p:cTn>
       </p:par>
     </p:tnLst>
+    <p:bldLst>
+      <p:bldP spid="10" grpId="0" animBg="1"/>
+    </p:bldLst>
   </p:timing>
 </p:sld>
 </file>
@@ -7636,10 +7877,22 @@
             <a:p>
               <a:pPr algn="ctr"/>
               <a:r>
-                <a:rPr lang="en-US" sz="2800" dirty="0"/>
-                <a:t>RADIO       </a:t>
+                <a:rPr lang="he-IL" sz="2800" dirty="0">
+                  <a:latin typeface="Guttman Yad-Brush" panose="02010401010101010101" pitchFamily="2" charset="-79"/>
+                  <a:cs typeface="Guttman Yad-Brush" panose="02010401010101010101" pitchFamily="2" charset="-79"/>
+                </a:rPr>
+                <a:t>צינור</a:t>
               </a:r>
-              <a:endParaRPr lang="he-IL" sz="2800" dirty="0"/>
+              <a:r>
+                <a:rPr lang="en-US" sz="2800" dirty="0">
+                  <a:cs typeface="Guttman Yad-Brush" panose="02010401010101010101" pitchFamily="2" charset="-79"/>
+                </a:rPr>
+                <a:t>       </a:t>
+              </a:r>
+              <a:endParaRPr lang="he-IL" sz="2800" dirty="0">
+                <a:latin typeface="Guttman Yad-Brush" panose="02010401010101010101" pitchFamily="2" charset="-79"/>
+                <a:cs typeface="Guttman Yad-Brush" panose="02010401010101010101" pitchFamily="2" charset="-79"/>
+              </a:endParaRPr>
             </a:p>
           </p:txBody>
         </p:sp>
@@ -8691,7 +8944,7 @@
           </p:nvSpPr>
           <p:spPr>
             <a:xfrm>
-              <a:off x="7315197" y="2794930"/>
+              <a:off x="7315197" y="2782573"/>
               <a:ext cx="1976582" cy="523220"/>
             </a:xfrm>
             <a:prstGeom prst="rect">
@@ -8707,10 +8960,14 @@
             <a:p>
               <a:pPr algn="ctr"/>
               <a:r>
-                <a:rPr lang="en-US" sz="2800" dirty="0"/>
-                <a:t>radio       </a:t>
+                <a:rPr lang="he-IL" sz="2800" b="1" dirty="0"/>
+                <a:t>צינור</a:t>
               </a:r>
-              <a:endParaRPr lang="he-IL" sz="2800" dirty="0"/>
+              <a:r>
+                <a:rPr lang="en-US" sz="2800" b="1" dirty="0"/>
+                <a:t>       </a:t>
+              </a:r>
+              <a:endParaRPr lang="he-IL" sz="2800" b="1" dirty="0"/>
             </a:p>
           </p:txBody>
         </p:sp>
@@ -9038,10 +9295,11 @@
             <a:p>
               <a:pPr algn="ctr"/>
               <a:r>
-                <a:rPr lang="en-US" sz="2800" dirty="0"/>
-                <a:t>RADIO    PHONE</a:t>
+                <a:rPr lang="he-IL" sz="2800" b="1" dirty="0">
+                  <a:latin typeface="Guttman Yad-Brush" panose="02010401010101010101" pitchFamily="2" charset="-79"/>
+                </a:rPr>
+                <a:t>צינור       רובוט</a:t>
               </a:r>
-              <a:endParaRPr lang="he-IL" sz="2800" dirty="0"/>
             </a:p>
           </p:txBody>
         </p:sp>
@@ -12252,10 +12510,12 @@
             <a:p>
               <a:pPr algn="ctr"/>
               <a:r>
-                <a:rPr lang="en-US" sz="2800" dirty="0"/>
-                <a:t>CLOUD       </a:t>
+                <a:rPr lang="he-IL" sz="2800" dirty="0">
+                  <a:latin typeface="Guttman Yad-Brush" panose="02010401010101010101" pitchFamily="2" charset="-79"/>
+                  <a:cs typeface="Guttman Yad-Brush" panose="02010401010101010101" pitchFamily="2" charset="-79"/>
+                </a:rPr>
+                <a:t>אריות</a:t>
               </a:r>
-              <a:endParaRPr lang="he-IL" sz="2800" dirty="0"/>
             </a:p>
           </p:txBody>
         </p:sp>
@@ -13307,7 +13567,7 @@
           </p:nvSpPr>
           <p:spPr>
             <a:xfrm>
-              <a:off x="7315197" y="2794930"/>
+              <a:off x="7315197" y="2782573"/>
               <a:ext cx="1976582" cy="523220"/>
             </a:xfrm>
             <a:prstGeom prst="rect">
@@ -13323,10 +13583,14 @@
             <a:p>
               <a:pPr algn="ctr"/>
               <a:r>
-                <a:rPr lang="en-US" sz="2800" dirty="0"/>
-                <a:t>radio       </a:t>
+                <a:rPr lang="he-IL" sz="2800" b="1" dirty="0"/>
+                <a:t>צינור</a:t>
               </a:r>
-              <a:endParaRPr lang="he-IL" sz="2800" dirty="0"/>
+              <a:r>
+                <a:rPr lang="en-US" sz="2800" b="1" dirty="0"/>
+                <a:t>       </a:t>
+              </a:r>
+              <a:endParaRPr lang="he-IL" sz="2800" b="1" dirty="0"/>
             </a:p>
           </p:txBody>
         </p:sp>
@@ -13654,10 +13918,9 @@
             <a:p>
               <a:pPr algn="ctr"/>
               <a:r>
-                <a:rPr lang="en-US" sz="2800" dirty="0"/>
-                <a:t>CLOUD    TIGER</a:t>
+                <a:rPr lang="he-IL" sz="2800" b="1" dirty="0"/>
+                <a:t>אריות      גייזר</a:t>
               </a:r>
-              <a:endParaRPr lang="he-IL" sz="2800" dirty="0"/>
             </a:p>
           </p:txBody>
         </p:sp>
